--- a/Slides/Lesson 11.3 Model-View-Controller Architecture.pptx
+++ b/Slides/Lesson 11.3 Model-View-Controller Architecture.pptx
@@ -236,7 +236,7 @@
           <a:p>
             <a:fld id="{BA240FB3-D950-44D8-9E9B-770B8017B790}" type="datetimeFigureOut">
               <a:rPr lang="en-US" smtClean="0"/>
-              <a:t>11/18/2015</a:t>
+              <a:t>11/29/2015</a:t>
             </a:fld>
             <a:endParaRPr lang="en-US"/>
           </a:p>
@@ -769,7 +769,7 @@
           <a:p>
             <a:fld id="{2F1F79F5-7BEC-496A-AFC7-876E38F64D71}" type="datetime1">
               <a:rPr lang="en-US" smtClean="0"/>
-              <a:t>11/18/2015</a:t>
+              <a:t>11/29/2015</a:t>
             </a:fld>
             <a:endParaRPr lang="en-US"/>
           </a:p>
@@ -894,7 +894,7 @@
           <a:p>
             <a:fld id="{2F7B77F5-1464-4F6B-92A8-64FC8A508293}" type="datetime1">
               <a:rPr lang="en-US" smtClean="0"/>
-              <a:t>11/18/2015</a:t>
+              <a:t>11/29/2015</a:t>
             </a:fld>
             <a:endParaRPr lang="en-US"/>
           </a:p>
@@ -996,7 +996,7 @@
           <a:p>
             <a:fld id="{0A05703A-7669-4FEA-9056-25299B4D29D4}" type="datetime1">
               <a:rPr lang="en-US" smtClean="0"/>
-              <a:t>11/18/2015</a:t>
+              <a:t>11/29/2015</a:t>
             </a:fld>
             <a:endParaRPr lang="en-US"/>
           </a:p>
@@ -1273,7 +1273,7 @@
           <a:p>
             <a:fld id="{6E5077B5-BB57-49DB-88CA-226A139E5C01}" type="datetime1">
               <a:rPr lang="en-US" smtClean="0"/>
-              <a:t>11/18/2015</a:t>
+              <a:t>11/29/2015</a:t>
             </a:fld>
             <a:endParaRPr lang="en-US"/>
           </a:p>
@@ -1526,7 +1526,7 @@
           <a:p>
             <a:fld id="{C48D9447-CBD6-49A1-89FD-8512A8CF8999}" type="datetime1">
               <a:rPr lang="en-US" smtClean="0"/>
-              <a:t>11/18/2015</a:t>
+              <a:t>11/29/2015</a:t>
             </a:fld>
             <a:endParaRPr lang="en-US"/>
           </a:p>
@@ -1696,7 +1696,7 @@
           <a:p>
             <a:fld id="{A3639A2A-823D-48B7-9ACE-7FAF42870BA9}" type="datetime1">
               <a:rPr lang="en-US" smtClean="0"/>
-              <a:t>11/18/2015</a:t>
+              <a:t>11/29/2015</a:t>
             </a:fld>
             <a:endParaRPr lang="en-US"/>
           </a:p>
@@ -1876,7 +1876,7 @@
           <a:p>
             <a:fld id="{ED1B6996-82E9-463C-972C-7B56056E426C}" type="datetime1">
               <a:rPr lang="en-US" smtClean="0"/>
-              <a:t>11/18/2015</a:t>
+              <a:t>11/29/2015</a:t>
             </a:fld>
             <a:endParaRPr lang="en-US"/>
           </a:p>
@@ -2059,7 +2059,7 @@
           <a:p>
             <a:fld id="{E22ED4DA-448D-4BB1-B935-CC112220207B}" type="datetime1">
               <a:rPr lang="en-US" smtClean="0"/>
-              <a:t>11/18/2015</a:t>
+              <a:t>11/29/2015</a:t>
             </a:fld>
             <a:endParaRPr lang="en-US"/>
           </a:p>
@@ -2241,7 +2241,7 @@
           <a:p>
             <a:fld id="{E22ED4DA-448D-4BB1-B935-CC112220207B}" type="datetime1">
               <a:rPr lang="en-US" smtClean="0"/>
-              <a:t>11/18/2015</a:t>
+              <a:t>11/29/2015</a:t>
             </a:fld>
             <a:endParaRPr lang="en-US"/>
           </a:p>
@@ -2513,7 +2513,7 @@
           <a:p>
             <a:fld id="{FF5D65A6-AB94-4435-B0B7-3743215FA46C}" type="datetime1">
               <a:rPr lang="en-US" smtClean="0"/>
-              <a:t>11/18/2015</a:t>
+              <a:t>11/29/2015</a:t>
             </a:fld>
             <a:endParaRPr lang="en-US"/>
           </a:p>
@@ -2698,7 +2698,7 @@
           <a:p>
             <a:fld id="{FF5D65A6-AB94-4435-B0B7-3743215FA46C}" type="datetime1">
               <a:rPr lang="en-US" smtClean="0"/>
-              <a:t>11/18/2015</a:t>
+              <a:t>11/29/2015</a:t>
             </a:fld>
             <a:endParaRPr lang="en-US"/>
           </a:p>
@@ -3000,7 +3000,7 @@
           <a:p>
             <a:fld id="{7C193DC4-6EF0-48C9-B29C-616106A645E1}" type="datetime1">
               <a:rPr lang="en-US" smtClean="0"/>
-              <a:t>11/18/2015</a:t>
+              <a:t>11/29/2015</a:t>
             </a:fld>
             <a:endParaRPr lang="en-US"/>
           </a:p>
@@ -3288,7 +3288,7 @@
           <a:p>
             <a:fld id="{5D1846AD-9252-4647-9435-4C2AC365653A}" type="datetime1">
               <a:rPr lang="en-US" smtClean="0"/>
-              <a:t>11/18/2015</a:t>
+              <a:t>11/29/2015</a:t>
             </a:fld>
             <a:endParaRPr lang="en-US"/>
           </a:p>
@@ -3590,7 +3590,7 @@
           <a:p>
             <a:fld id="{5D1846AD-9252-4647-9435-4C2AC365653A}" type="datetime1">
               <a:rPr lang="en-US" smtClean="0"/>
-              <a:t>11/18/2015</a:t>
+              <a:t>11/29/2015</a:t>
             </a:fld>
             <a:endParaRPr lang="en-US"/>
           </a:p>
@@ -4012,7 +4012,7 @@
           <a:p>
             <a:fld id="{CE56DC10-3561-4063-A6AF-C1CC7A41040A}" type="datetime1">
               <a:rPr lang="en-US" smtClean="0"/>
-              <a:t>11/18/2015</a:t>
+              <a:t>11/29/2015</a:t>
             </a:fld>
             <a:endParaRPr lang="en-US"/>
           </a:p>
@@ -4237,7 +4237,7 @@
           <a:p>
             <a:fld id="{02B3F677-983B-48DB-ADFD-63FE6CBC7FB2}" type="datetime1">
               <a:rPr lang="en-US" smtClean="0"/>
-              <a:t>11/18/2015</a:t>
+              <a:t>11/29/2015</a:t>
             </a:fld>
             <a:endParaRPr lang="en-US"/>
           </a:p>
@@ -8025,11 +8025,7 @@
             </a:r>
             <a:r>
               <a:rPr lang="en-US" dirty="0" smtClean="0"/>
-              <a:t>; </a:t>
-            </a:r>
-            <a:r>
-              <a:rPr lang="en-US" dirty="0" smtClean="0"/>
-              <a:t>we have only Stateful Widgets</a:t>
+              <a:t>; we have only Stateful Widgets</a:t>
             </a:r>
             <a:endParaRPr lang="en-US" dirty="0"/>
           </a:p>
@@ -8546,9 +8542,68 @@
         </p:spPr>
         <p:txBody>
           <a:bodyPr>
-            <a:normAutofit/>
+            <a:normAutofit fontScale="92500" lnSpcReduction="10000"/>
           </a:bodyPr>
           <a:lstStyle/>
+          <a:p>
+            <a:r>
+              <a:rPr lang="en-US" sz="2000" dirty="0"/>
+              <a:t>(define-</a:t>
+            </a:r>
+            <a:r>
+              <a:rPr lang="en-US" sz="2000" dirty="0" err="1"/>
+              <a:t>struct</a:t>
+            </a:r>
+            <a:r>
+              <a:rPr lang="en-US" sz="2000" dirty="0"/>
+              <a:t> set-position-command  </a:t>
+            </a:r>
+            <a:r>
+              <a:rPr lang="en-US" sz="2000" dirty="0" smtClean="0"/>
+              <a:t>(</a:t>
+            </a:r>
+            <a:r>
+              <a:rPr lang="en-US" sz="2000" dirty="0" err="1"/>
+              <a:t>pos</a:t>
+            </a:r>
+            <a:r>
+              <a:rPr lang="en-US" sz="2000" dirty="0"/>
+              <a:t>) #:transparent)</a:t>
+            </a:r>
+          </a:p>
+          <a:p>
+            <a:r>
+              <a:rPr lang="en-US" sz="2000" dirty="0"/>
+              <a:t>(define-</a:t>
+            </a:r>
+            <a:r>
+              <a:rPr lang="en-US" sz="2000" dirty="0" err="1"/>
+              <a:t>struct</a:t>
+            </a:r>
+            <a:r>
+              <a:rPr lang="en-US" sz="2000" dirty="0"/>
+              <a:t> </a:t>
+            </a:r>
+            <a:r>
+              <a:rPr lang="en-US" sz="2000" dirty="0" err="1"/>
+              <a:t>incr</a:t>
+            </a:r>
+            <a:r>
+              <a:rPr lang="en-US" sz="2000" dirty="0"/>
+              <a:t>-velocity-command </a:t>
+            </a:r>
+            <a:r>
+              <a:rPr lang="en-US" sz="2000" dirty="0" smtClean="0"/>
+              <a:t>(</a:t>
+            </a:r>
+            <a:r>
+              <a:rPr lang="en-US" sz="2000" dirty="0"/>
+              <a:t>dv)  #:transparent)</a:t>
+            </a:r>
+          </a:p>
+          <a:p>
+            <a:endParaRPr lang="en-US" sz="2000" dirty="0" smtClean="0"/>
+          </a:p>
           <a:p>
             <a:r>
               <a:rPr lang="en-US" sz="2000" dirty="0" smtClean="0"/>
@@ -8562,13 +8617,32 @@
           <a:p>
             <a:r>
               <a:rPr lang="en-US" sz="2000" dirty="0"/>
-              <a:t>;; -- (make-set-position n)</a:t>
-            </a:r>
-          </a:p>
-          <a:p>
+              <a:t>;; -- (make-set-position </a:t>
+            </a:r>
+            <a:r>
+              <a:rPr lang="en-US" sz="2000" dirty="0" smtClean="0"/>
+              <a:t>Real)</a:t>
+            </a:r>
+          </a:p>
+          <a:p>
+            <a:r>
+              <a:rPr lang="en-US" sz="2000" dirty="0" smtClean="0"/>
+              <a:t>;;    INTERP: set the position of the particle to </a:t>
+            </a:r>
+            <a:r>
+              <a:rPr lang="en-US" sz="2000" dirty="0" err="1" smtClean="0"/>
+              <a:t>pos</a:t>
+            </a:r>
+            <a:endParaRPr lang="en-US" sz="2000" dirty="0" smtClean="0"/>
+          </a:p>
+          <a:p>
+            <a:r>
+              <a:rPr lang="en-US" sz="2000" dirty="0" smtClean="0"/>
+              <a:t>;; </a:t>
+            </a:r>
             <a:r>
               <a:rPr lang="en-US" sz="2000" dirty="0"/>
-              <a:t>;; -- (make-</a:t>
+              <a:t>-- (make-</a:t>
             </a:r>
             <a:r>
               <a:rPr lang="en-US" sz="2000" dirty="0" err="1"/>
@@ -8576,16 +8650,86 @@
             </a:r>
             <a:r>
               <a:rPr lang="en-US" sz="2000" dirty="0"/>
-              <a:t>-velocity dv)</a:t>
-            </a:r>
-          </a:p>
-          <a:p>
+              <a:t>-velocity </a:t>
+            </a:r>
+            <a:r>
+              <a:rPr lang="en-US" sz="2000" dirty="0" smtClean="0"/>
+              <a:t>Real</a:t>
+            </a:r>
+            <a:r>
+              <a:rPr lang="en-US" sz="2000" dirty="0" smtClean="0"/>
+              <a:t>)</a:t>
+            </a:r>
+          </a:p>
+          <a:p>
+            <a:r>
+              <a:rPr lang="en-US" sz="2000" dirty="0" smtClean="0"/>
+              <a:t>;;    INTERP: increment the velocity of the particle by dv</a:t>
+            </a:r>
             <a:endParaRPr lang="en-US" sz="2000" dirty="0"/>
           </a:p>
           <a:p>
+            <a:endParaRPr lang="en-US" sz="2000" dirty="0"/>
+          </a:p>
+          <a:p>
             <a:r>
               <a:rPr lang="en-US" sz="2000" dirty="0"/>
-              <a:t>;; A Signal is one of</a:t>
+              <a:t>(define-</a:t>
+            </a:r>
+            <a:r>
+              <a:rPr lang="en-US" sz="2000" dirty="0" err="1"/>
+              <a:t>struct</a:t>
+            </a:r>
+            <a:r>
+              <a:rPr lang="en-US" sz="2000" dirty="0"/>
+              <a:t> position-signal </a:t>
+            </a:r>
+            <a:r>
+              <a:rPr lang="en-US" sz="2000" dirty="0" smtClean="0"/>
+              <a:t>(</a:t>
+            </a:r>
+            <a:r>
+              <a:rPr lang="en-US" sz="2000" dirty="0" err="1"/>
+              <a:t>pos</a:t>
+            </a:r>
+            <a:r>
+              <a:rPr lang="en-US" sz="2000" dirty="0"/>
+              <a:t>) #:transparent)</a:t>
+            </a:r>
+          </a:p>
+          <a:p>
+            <a:r>
+              <a:rPr lang="en-US" sz="2000" dirty="0"/>
+              <a:t>(define-</a:t>
+            </a:r>
+            <a:r>
+              <a:rPr lang="en-US" sz="2000" dirty="0" err="1"/>
+              <a:t>struct</a:t>
+            </a:r>
+            <a:r>
+              <a:rPr lang="en-US" sz="2000" dirty="0"/>
+              <a:t> velocity-signal </a:t>
+            </a:r>
+            <a:r>
+              <a:rPr lang="en-US" sz="2000" dirty="0" smtClean="0"/>
+              <a:t>(</a:t>
+            </a:r>
+            <a:r>
+              <a:rPr lang="en-US" sz="2000" dirty="0"/>
+              <a:t>v)   #:transparent)</a:t>
+            </a:r>
+          </a:p>
+          <a:p>
+            <a:endParaRPr lang="en-US" sz="2000" dirty="0" smtClean="0"/>
+          </a:p>
+          <a:p>
+            <a:r>
+              <a:rPr lang="en-US" sz="2000" dirty="0" smtClean="0"/>
+              <a:t>;; </a:t>
+            </a:r>
+            <a:r>
+              <a:rPr lang="en-US" sz="2000" dirty="0"/>
+              <a:t>A Signal is one of</a:t>
             </a:r>
           </a:p>
           <a:p>
@@ -8598,9 +8742,14 @@
               <a:t>make-position-signal </a:t>
             </a:r>
             <a:r>
-              <a:rPr lang="en-US" sz="2000" dirty="0"/>
-              <a:t>n)</a:t>
-            </a:r>
+              <a:rPr lang="en-US" sz="2000" dirty="0" smtClean="0"/>
+              <a:t>Real</a:t>
+            </a:r>
+            <a:r>
+              <a:rPr lang="en-US" sz="2000" dirty="0" smtClean="0"/>
+              <a:t>)</a:t>
+            </a:r>
+            <a:endParaRPr lang="en-US" sz="2000" dirty="0"/>
           </a:p>
           <a:p>
             <a:r>
@@ -8612,136 +8761,32 @@
               <a:t>make-velocity-signal </a:t>
             </a:r>
             <a:r>
-              <a:rPr lang="en-US" sz="2000" dirty="0"/>
-              <a:t>v)</a:t>
-            </a:r>
+              <a:rPr lang="en-US" sz="2000" dirty="0" smtClean="0"/>
+              <a:t>Real</a:t>
+            </a:r>
+            <a:r>
+              <a:rPr lang="en-US" sz="2000" dirty="0" smtClean="0"/>
+              <a:t>)</a:t>
+            </a:r>
+          </a:p>
+          <a:p>
+            <a:r>
+              <a:rPr lang="en-US" sz="2000" dirty="0" smtClean="0"/>
+              <a:t>;;    INTERP: report the current position or velocity of the</a:t>
+            </a:r>
+          </a:p>
+          <a:p>
+            <a:r>
+              <a:rPr lang="en-US" sz="2000" dirty="0" smtClean="0"/>
+              <a:t>;;            particle</a:t>
+            </a:r>
+            <a:endParaRPr lang="en-US" sz="2000" dirty="0" smtClean="0"/>
           </a:p>
           <a:p>
             <a:endParaRPr lang="en-US" sz="2000" dirty="0"/>
           </a:p>
           <a:p>
-            <a:r>
-              <a:rPr lang="en-US" sz="2000" dirty="0" smtClean="0"/>
-              <a:t>(</a:t>
-            </a:r>
-            <a:r>
-              <a:rPr lang="en-US" sz="2000" dirty="0"/>
-              <a:t>define-</a:t>
-            </a:r>
-            <a:r>
-              <a:rPr lang="en-US" sz="2000" dirty="0" err="1"/>
-              <a:t>struct</a:t>
-            </a:r>
-            <a:r>
-              <a:rPr lang="en-US" sz="2000" dirty="0"/>
-              <a:t> </a:t>
-            </a:r>
-            <a:r>
-              <a:rPr lang="en-US" sz="2000" dirty="0" smtClean="0"/>
-              <a:t>set-position-command    (</a:t>
-            </a:r>
-            <a:r>
-              <a:rPr lang="en-US" sz="2000" dirty="0" err="1"/>
-              <a:t>pos</a:t>
-            </a:r>
-            <a:r>
-              <a:rPr lang="en-US" sz="2000" dirty="0" smtClean="0"/>
-              <a:t>) #:transparent</a:t>
-            </a:r>
-            <a:r>
-              <a:rPr lang="en-US" sz="2000" dirty="0"/>
-              <a:t>)</a:t>
-            </a:r>
-          </a:p>
-          <a:p>
-            <a:r>
-              <a:rPr lang="en-US" sz="2000" dirty="0"/>
-              <a:t>(define-</a:t>
-            </a:r>
-            <a:r>
-              <a:rPr lang="en-US" sz="2000" dirty="0" err="1"/>
-              <a:t>struct</a:t>
-            </a:r>
-            <a:r>
-              <a:rPr lang="en-US" sz="2000" dirty="0"/>
-              <a:t> </a:t>
-            </a:r>
-            <a:r>
-              <a:rPr lang="en-US" sz="2000" dirty="0" err="1" smtClean="0"/>
-              <a:t>incr</a:t>
-            </a:r>
-            <a:r>
-              <a:rPr lang="en-US" sz="2000" dirty="0" smtClean="0"/>
-              <a:t>-velocity-command   (</a:t>
-            </a:r>
-            <a:r>
-              <a:rPr lang="en-US" sz="2000" dirty="0"/>
-              <a:t>dv</a:t>
-            </a:r>
-            <a:r>
-              <a:rPr lang="en-US" sz="2000" dirty="0" smtClean="0"/>
-              <a:t>)  #:</a:t>
-            </a:r>
-            <a:r>
-              <a:rPr lang="en-US" sz="2000" dirty="0"/>
-              <a:t>transparent)</a:t>
-            </a:r>
-          </a:p>
-          <a:p>
-            <a:r>
-              <a:rPr lang="en-US" sz="2000" dirty="0"/>
-              <a:t>(define-</a:t>
-            </a:r>
-            <a:r>
-              <a:rPr lang="en-US" sz="2000" dirty="0" err="1"/>
-              <a:t>struct</a:t>
-            </a:r>
-            <a:r>
-              <a:rPr lang="en-US" sz="2000" dirty="0"/>
-              <a:t> </a:t>
-            </a:r>
-            <a:r>
-              <a:rPr lang="en-US" sz="2000" dirty="0" smtClean="0"/>
-              <a:t>position-signal         (</a:t>
-            </a:r>
-            <a:r>
-              <a:rPr lang="en-US" sz="2000" dirty="0" err="1"/>
-              <a:t>pos</a:t>
-            </a:r>
-            <a:r>
-              <a:rPr lang="en-US" sz="2000" dirty="0"/>
-              <a:t>) #:transparent)</a:t>
-            </a:r>
-          </a:p>
-          <a:p>
-            <a:r>
-              <a:rPr lang="en-US" sz="2000" dirty="0"/>
-              <a:t>(define-</a:t>
-            </a:r>
-            <a:r>
-              <a:rPr lang="en-US" sz="2000" dirty="0" err="1"/>
-              <a:t>struct</a:t>
-            </a:r>
-            <a:r>
-              <a:rPr lang="en-US" sz="2000" dirty="0"/>
-              <a:t> </a:t>
-            </a:r>
-            <a:r>
-              <a:rPr lang="en-US" sz="2000" dirty="0" smtClean="0"/>
-              <a:t>velocity-signal         (</a:t>
-            </a:r>
-            <a:r>
-              <a:rPr lang="en-US" sz="2000" dirty="0"/>
-              <a:t>v) </a:t>
-            </a:r>
-            <a:r>
-              <a:rPr lang="en-US" sz="2000" dirty="0" smtClean="0"/>
-              <a:t>  #:</a:t>
-            </a:r>
-            <a:r>
-              <a:rPr lang="en-US" sz="2000" dirty="0"/>
-              <a:t>transparent)</a:t>
-            </a:r>
+            <a:endParaRPr lang="en-US" sz="2000" dirty="0"/>
           </a:p>
           <a:p>
             <a:endParaRPr lang="en-US" sz="2000" dirty="0"/>
@@ -9267,13 +9312,30 @@
             </a:r>
             <a:r>
               <a:rPr lang="en-US" dirty="0"/>
-              <a:t>define/public (add-widget c)</a:t>
-            </a:r>
-          </a:p>
-          <a:p>
-            <a:r>
-              <a:rPr lang="en-US" dirty="0"/>
-              <a:t>      (set! widgets (cons c widgets)))</a:t>
+              <a:t>define/public (add-widget </a:t>
+            </a:r>
+            <a:r>
+              <a:rPr lang="en-US" dirty="0" smtClean="0"/>
+              <a:t>w)</a:t>
+            </a:r>
+            <a:endParaRPr lang="en-US" dirty="0"/>
+          </a:p>
+          <a:p>
+            <a:r>
+              <a:rPr lang="en-US" dirty="0"/>
+              <a:t>      (set! widgets (</a:t>
+            </a:r>
+            <a:r>
+              <a:rPr lang="en-US"/>
+              <a:t>cons </a:t>
+            </a:r>
+            <a:r>
+              <a:rPr lang="en-US" smtClean="0"/>
+              <a:t>w </a:t>
+            </a:r>
+            <a:r>
+              <a:rPr lang="en-US" dirty="0"/>
+              <a:t>widgets)))</a:t>
             </a:r>
           </a:p>
           <a:p>
@@ -15372,11 +15434,7 @@
           <a:p>
             <a:r>
               <a:rPr lang="en-US" dirty="0" smtClean="0"/>
-              <a:t>It is a 3-tier </a:t>
-            </a:r>
-            <a:r>
-              <a:rPr lang="en-US" dirty="0" smtClean="0"/>
-              <a:t>architecture</a:t>
+              <a:t>It is a 3-tier architecture</a:t>
             </a:r>
           </a:p>
           <a:p>
@@ -15384,7 +15442,6 @@
               <a:rPr lang="en-US" dirty="0" smtClean="0"/>
               <a:t>It divides the system up into relatively small, easy-to-understand pieces.</a:t>
             </a:r>
-            <a:endParaRPr lang="en-US" dirty="0" smtClean="0"/>
           </a:p>
           <a:p>
             <a:r>
@@ -15404,11 +15461,7 @@
             </a:r>
             <a:r>
               <a:rPr lang="en-US" dirty="0" smtClean="0"/>
-              <a:t>&gt; </a:t>
-            </a:r>
-            <a:r>
-              <a:rPr lang="en-US" dirty="0" smtClean="0"/>
-              <a:t>controllers</a:t>
+              <a:t>&gt; controllers</a:t>
             </a:r>
           </a:p>
           <a:p>
@@ -15428,13 +15481,8 @@
           <a:p>
             <a:r>
               <a:rPr lang="en-US" dirty="0" smtClean="0"/>
-              <a:t>2 publish/subscribe relationships allow controllers to be created </a:t>
-            </a:r>
-            <a:r>
-              <a:rPr lang="en-US" dirty="0" smtClean="0"/>
-              <a:t>dynamically.</a:t>
-            </a:r>
-            <a:endParaRPr lang="en-US" dirty="0" smtClean="0"/>
+              <a:t>2 publish/subscribe relationships allow controllers to be created dynamically.</a:t>
+            </a:r>
           </a:p>
           <a:p>
             <a:pPr lvl="1"/>
@@ -15447,21 +15495,13 @@
             <a:pPr lvl="1"/>
             <a:r>
               <a:rPr lang="en-US" dirty="0" smtClean="0"/>
-              <a:t>model publishes to </a:t>
-            </a:r>
-            <a:r>
-              <a:rPr lang="en-US" dirty="0" smtClean="0"/>
-              <a:t>controllers</a:t>
-            </a:r>
-          </a:p>
-          <a:p>
-            <a:r>
-              <a:rPr lang="en-US" dirty="0" smtClean="0"/>
-              <a:t>Controller </a:t>
-            </a:r>
-            <a:r>
-              <a:rPr lang="en-US" dirty="0" smtClean="0"/>
-              <a:t>-&gt; Model interface is a rudimentary programming language</a:t>
+              <a:t>model publishes to controllers</a:t>
+            </a:r>
+          </a:p>
+          <a:p>
+            <a:r>
+              <a:rPr lang="en-US" dirty="0" smtClean="0"/>
+              <a:t>Controller -&gt; Model interface is a rudimentary programming language</a:t>
             </a:r>
           </a:p>
           <a:p>
@@ -16486,17 +16526,18 @@
           <a:p>
             <a:r>
               <a:rPr lang="en-US" dirty="0" smtClean="0"/>
-              <a:t>It’s a point mass, so we can’t see it, but we have sensors that measure its position and velocity.(*)</a:t>
-            </a:r>
-          </a:p>
-          <a:p>
-            <a:r>
-              <a:rPr lang="en-US" dirty="0" smtClean="0"/>
-              <a:t>We also have controllers that control its position and velocity (separately</a:t>
-            </a:r>
-            <a:r>
-              <a:rPr lang="en-US" dirty="0" smtClean="0"/>
-              <a:t>).</a:t>
+              <a:t>It’s a point mass, so we can’t see it, but we have sensors that measure its position and velocity</a:t>
+            </a:r>
+            <a:r>
+              <a:rPr lang="en-US" dirty="0" smtClean="0"/>
+              <a:t>.</a:t>
+            </a:r>
+            <a:endParaRPr lang="en-US" dirty="0" smtClean="0"/>
+          </a:p>
+          <a:p>
+            <a:r>
+              <a:rPr lang="en-US" dirty="0" smtClean="0"/>
+              <a:t>We also have controllers that control its position and velocity (separately).</a:t>
             </a:r>
           </a:p>
           <a:p>
@@ -16504,7 +16545,6 @@
               <a:rPr lang="en-US" dirty="0" smtClean="0"/>
               <a:t>“p” adds a position controller, “v” adds a velocity controller.</a:t>
             </a:r>
-            <a:endParaRPr lang="en-US" dirty="0" smtClean="0"/>
           </a:p>
           <a:p>
             <a:endParaRPr lang="en-US" dirty="0"/>
